--- a/Прочее/Гончаров_11_тема/Гончаров_11_тема.pptx
+++ b/Прочее/Гончаров_11_тема/Гончаров_11_тема.pptx
@@ -17,6 +17,9 @@
     <p:sldId id="265" r:id="rId11"/>
     <p:sldId id="267" r:id="rId12"/>
     <p:sldId id="268" r:id="rId13"/>
+    <p:sldId id="269" r:id="rId14"/>
+    <p:sldId id="270" r:id="rId15"/>
+    <p:sldId id="271" r:id="rId16"/>
   </p:sldIdLst>
   <p:sldSz cx="12192000" cy="6858000"/>
   <p:notesSz cx="6858000" cy="9144000"/>
@@ -115,6 +118,11 @@
       </a:defRPr>
     </a:lvl9pPr>
   </p:defaultTextStyle>
+  <p:extLst>
+    <p:ext uri="{EFAFB233-063F-42B5-8137-9DF3F51BA10A}">
+      <p15:sldGuideLst xmlns:p15="http://schemas.microsoft.com/office/powerpoint/2012/main"/>
+    </p:ext>
+  </p:extLst>
 </p:presentation>
 </file>
 
@@ -249,7 +257,7 @@
           <a:p>
             <a:fld id="{260B53D8-2D69-4AE8-B018-F0BA0BAB373A}" type="datetimeFigureOut">
               <a:rPr lang="ru-RU" smtClean="0"/>
-              <a:t>19.10.2022</a:t>
+              <a:t>24.10.2022</a:t>
             </a:fld>
             <a:endParaRPr lang="ru-RU"/>
           </a:p>
@@ -419,7 +427,7 @@
           <a:p>
             <a:fld id="{260B53D8-2D69-4AE8-B018-F0BA0BAB373A}" type="datetimeFigureOut">
               <a:rPr lang="ru-RU" smtClean="0"/>
-              <a:t>19.10.2022</a:t>
+              <a:t>24.10.2022</a:t>
             </a:fld>
             <a:endParaRPr lang="ru-RU"/>
           </a:p>
@@ -599,7 +607,7 @@
           <a:p>
             <a:fld id="{260B53D8-2D69-4AE8-B018-F0BA0BAB373A}" type="datetimeFigureOut">
               <a:rPr lang="ru-RU" smtClean="0"/>
-              <a:t>19.10.2022</a:t>
+              <a:t>24.10.2022</a:t>
             </a:fld>
             <a:endParaRPr lang="ru-RU"/>
           </a:p>
@@ -769,7 +777,7 @@
           <a:p>
             <a:fld id="{260B53D8-2D69-4AE8-B018-F0BA0BAB373A}" type="datetimeFigureOut">
               <a:rPr lang="ru-RU" smtClean="0"/>
-              <a:t>19.10.2022</a:t>
+              <a:t>24.10.2022</a:t>
             </a:fld>
             <a:endParaRPr lang="ru-RU"/>
           </a:p>
@@ -1015,7 +1023,7 @@
           <a:p>
             <a:fld id="{260B53D8-2D69-4AE8-B018-F0BA0BAB373A}" type="datetimeFigureOut">
               <a:rPr lang="ru-RU" smtClean="0"/>
-              <a:t>19.10.2022</a:t>
+              <a:t>24.10.2022</a:t>
             </a:fld>
             <a:endParaRPr lang="ru-RU"/>
           </a:p>
@@ -1247,7 +1255,7 @@
           <a:p>
             <a:fld id="{260B53D8-2D69-4AE8-B018-F0BA0BAB373A}" type="datetimeFigureOut">
               <a:rPr lang="ru-RU" smtClean="0"/>
-              <a:t>19.10.2022</a:t>
+              <a:t>24.10.2022</a:t>
             </a:fld>
             <a:endParaRPr lang="ru-RU"/>
           </a:p>
@@ -1614,7 +1622,7 @@
           <a:p>
             <a:fld id="{260B53D8-2D69-4AE8-B018-F0BA0BAB373A}" type="datetimeFigureOut">
               <a:rPr lang="ru-RU" smtClean="0"/>
-              <a:t>19.10.2022</a:t>
+              <a:t>24.10.2022</a:t>
             </a:fld>
             <a:endParaRPr lang="ru-RU"/>
           </a:p>
@@ -1732,7 +1740,7 @@
           <a:p>
             <a:fld id="{260B53D8-2D69-4AE8-B018-F0BA0BAB373A}" type="datetimeFigureOut">
               <a:rPr lang="ru-RU" smtClean="0"/>
-              <a:t>19.10.2022</a:t>
+              <a:t>24.10.2022</a:t>
             </a:fld>
             <a:endParaRPr lang="ru-RU"/>
           </a:p>
@@ -1827,7 +1835,7 @@
           <a:p>
             <a:fld id="{260B53D8-2D69-4AE8-B018-F0BA0BAB373A}" type="datetimeFigureOut">
               <a:rPr lang="ru-RU" smtClean="0"/>
-              <a:t>19.10.2022</a:t>
+              <a:t>24.10.2022</a:t>
             </a:fld>
             <a:endParaRPr lang="ru-RU"/>
           </a:p>
@@ -2104,7 +2112,7 @@
           <a:p>
             <a:fld id="{260B53D8-2D69-4AE8-B018-F0BA0BAB373A}" type="datetimeFigureOut">
               <a:rPr lang="ru-RU" smtClean="0"/>
-              <a:t>19.10.2022</a:t>
+              <a:t>24.10.2022</a:t>
             </a:fld>
             <a:endParaRPr lang="ru-RU"/>
           </a:p>
@@ -2357,7 +2365,7 @@
           <a:p>
             <a:fld id="{260B53D8-2D69-4AE8-B018-F0BA0BAB373A}" type="datetimeFigureOut">
               <a:rPr lang="ru-RU" smtClean="0"/>
-              <a:t>19.10.2022</a:t>
+              <a:t>24.10.2022</a:t>
             </a:fld>
             <a:endParaRPr lang="ru-RU"/>
           </a:p>
@@ -2570,7 +2578,7 @@
           <a:p>
             <a:fld id="{260B53D8-2D69-4AE8-B018-F0BA0BAB373A}" type="datetimeFigureOut">
               <a:rPr lang="ru-RU" smtClean="0"/>
-              <a:t>19.10.2022</a:t>
+              <a:t>24.10.2022</a:t>
             </a:fld>
             <a:endParaRPr lang="ru-RU"/>
           </a:p>
@@ -3128,7 +3136,7 @@
         <p:spPr>
           <a:xfrm>
             <a:off x="826770" y="1899885"/>
-            <a:ext cx="10879455" cy="3842077"/>
+            <a:ext cx="10879455" cy="3990836"/>
           </a:xfrm>
           <a:prstGeom prst="rect">
             <a:avLst/>
@@ -3193,18 +3201,18 @@
                 <a:latin typeface="Tahoma" panose="020B0604030504040204" pitchFamily="34" charset="0"/>
                 <a:ea typeface="Times New Roman" panose="02020603050405020304" pitchFamily="18" charset="0"/>
               </a:rPr>
-              <a:t>2015 г.)</a:t>
-            </a:r>
-          </a:p>
-          <a:p>
-            <a:pPr fontAlgn="base">
-              <a:lnSpc>
-                <a:spcPct val="150000"/>
-              </a:lnSpc>
-              <a:spcAft>
-                <a:spcPts val="0"/>
-              </a:spcAft>
-            </a:pPr>
+              <a:t>2015 г</a:t>
+            </a:r>
+            <a:r>
+              <a:rPr lang="ru-RU" sz="2000" dirty="0" smtClean="0">
+                <a:solidFill>
+                  <a:srgbClr val="000000"/>
+                </a:solidFill>
+                <a:latin typeface="Tahoma" panose="020B0604030504040204" pitchFamily="34" charset="0"/>
+                <a:ea typeface="Times New Roman" panose="02020603050405020304" pitchFamily="18" charset="0"/>
+              </a:rPr>
+              <a:t>.)</a:t>
+            </a:r>
             <a:endParaRPr lang="ru-RU" dirty="0" smtClean="0">
               <a:effectLst/>
               <a:latin typeface="Times New Roman" panose="02020603050405020304" pitchFamily="18" charset="0"/>
@@ -3421,7 +3429,47 @@
                 <a:ea typeface="Calibri" panose="020F0502020204030204" pitchFamily="34" charset="0"/>
                 <a:cs typeface="Times New Roman" panose="02020603050405020304" pitchFamily="18" charset="0"/>
               </a:rPr>
-              <a:t>, с быстрым выполнением, что обеспечивает немедленную итерацию модели и простую отладку. За счёт </a:t>
+              <a:t>, с быстрым выполнением, что обеспечивает немедленную итерацию модели и простую отладку. </a:t>
+            </a:r>
+            <a:endParaRPr lang="ru-RU" sz="2000" dirty="0" smtClean="0">
+              <a:solidFill>
+                <a:srgbClr val="000000"/>
+              </a:solidFill>
+              <a:latin typeface="Tahoma" panose="020B0604030504040204" pitchFamily="34" charset="0"/>
+              <a:ea typeface="Calibri" panose="020F0502020204030204" pitchFamily="34" charset="0"/>
+              <a:cs typeface="Times New Roman" panose="02020603050405020304" pitchFamily="18" charset="0"/>
+            </a:endParaRPr>
+          </a:p>
+          <a:p>
+            <a:pPr>
+              <a:lnSpc>
+                <a:spcPct val="150000"/>
+              </a:lnSpc>
+              <a:spcAft>
+                <a:spcPts val="800"/>
+              </a:spcAft>
+            </a:pPr>
+            <a:r>
+              <a:rPr lang="ru-RU" sz="2000" dirty="0" smtClean="0">
+                <a:solidFill>
+                  <a:srgbClr val="000000"/>
+                </a:solidFill>
+                <a:latin typeface="Tahoma" panose="020B0604030504040204" pitchFamily="34" charset="0"/>
+                <a:ea typeface="Calibri" panose="020F0502020204030204" pitchFamily="34" charset="0"/>
+                <a:cs typeface="Times New Roman" panose="02020603050405020304" pitchFamily="18" charset="0"/>
+              </a:rPr>
+              <a:t>За </a:t>
+            </a:r>
+            <a:r>
+              <a:rPr lang="ru-RU" sz="2000" dirty="0">
+                <a:solidFill>
+                  <a:srgbClr val="000000"/>
+                </a:solidFill>
+                <a:latin typeface="Tahoma" panose="020B0604030504040204" pitchFamily="34" charset="0"/>
+                <a:ea typeface="Calibri" panose="020F0502020204030204" pitchFamily="34" charset="0"/>
+                <a:cs typeface="Times New Roman" panose="02020603050405020304" pitchFamily="18" charset="0"/>
+              </a:rPr>
+              <a:t>счёт </a:t>
             </a:r>
             <a:r>
               <a:rPr lang="ru-RU" sz="2000" dirty="0" err="1">
@@ -3549,8 +3597,8 @@
         </p:nvSpPr>
         <p:spPr>
           <a:xfrm>
-            <a:off x="914399" y="735300"/>
-            <a:ext cx="8372476" cy="5199116"/>
+            <a:off x="1138334" y="1376002"/>
+            <a:ext cx="8372476" cy="3752566"/>
           </a:xfrm>
           <a:prstGeom prst="rect">
             <a:avLst/>
@@ -3645,18 +3693,7 @@
                 <a:ea typeface="Times New Roman" panose="02020603050405020304" pitchFamily="18" charset="0"/>
                 <a:cs typeface="Times New Roman" panose="02020603050405020304" pitchFamily="18" charset="0"/>
               </a:rPr>
-              <a:t>Огромное </a:t>
-            </a:r>
-            <a:r>
-              <a:rPr lang="ru-RU" dirty="0" err="1" smtClean="0">
-                <a:solidFill>
-                  <a:srgbClr val="000000"/>
-                </a:solidFill>
-                <a:latin typeface="Tahoma" panose="020B0604030504040204" pitchFamily="34" charset="0"/>
-                <a:ea typeface="Times New Roman" panose="02020603050405020304" pitchFamily="18" charset="0"/>
-                <a:cs typeface="Times New Roman" panose="02020603050405020304" pitchFamily="18" charset="0"/>
-              </a:rPr>
-              <a:t>комьюнити</a:t>
+              <a:t>За </a:t>
             </a:r>
             <a:r>
               <a:rPr lang="ru-RU" dirty="0" smtClean="0">
@@ -3667,14 +3704,8 @@
                 <a:ea typeface="Times New Roman" panose="02020603050405020304" pitchFamily="18" charset="0"/>
                 <a:cs typeface="Times New Roman" panose="02020603050405020304" pitchFamily="18" charset="0"/>
               </a:rPr>
-              <a:t>.</a:t>
-            </a:r>
-            <a:endParaRPr lang="ru-RU" sz="1400" dirty="0" smtClean="0">
-              <a:effectLst/>
-              <a:latin typeface="Calibri" panose="020F0502020204030204" pitchFamily="34" charset="0"/>
-              <a:ea typeface="Calibri" panose="020F0502020204030204" pitchFamily="34" charset="0"/>
-              <a:cs typeface="Times New Roman" panose="02020603050405020304" pitchFamily="18" charset="0"/>
-            </a:endParaRPr>
+              <a:t>счёт популярности выше вероятность, что проблему, подобную вашей, уже решили.</a:t>
+            </a:r>
           </a:p>
           <a:p>
             <a:pPr marL="342900" lvl="0" indent="-342900" fontAlgn="base">
@@ -3697,38 +3728,19 @@
                   <a:srgbClr val="000000"/>
                 </a:solidFill>
                 <a:latin typeface="Tahoma" panose="020B0604030504040204" pitchFamily="34" charset="0"/>
-                <a:ea typeface="Times New Roman" panose="02020603050405020304" pitchFamily="18" charset="0"/>
-                <a:cs typeface="Times New Roman" panose="02020603050405020304" pitchFamily="18" charset="0"/>
-              </a:rPr>
-              <a:t>За счёт популярности выше вероятность, что проблему, подобную вашей, уже решили.</a:t>
-            </a:r>
-          </a:p>
-          <a:p>
-            <a:pPr marL="342900" lvl="0" indent="-342900" fontAlgn="base">
-              <a:spcBef>
-                <a:spcPts val="750"/>
-              </a:spcBef>
-              <a:spcAft>
-                <a:spcPts val="750"/>
-              </a:spcAft>
-              <a:buSzPts val="1000"/>
-              <a:buFont typeface="Symbol" panose="05050102010706020507" pitchFamily="18" charset="2"/>
-              <a:buChar char=""/>
-              <a:tabLst>
-                <a:tab pos="457200" algn="l"/>
-              </a:tabLst>
-            </a:pPr>
-            <a:r>
-              <a:rPr lang="ru-RU" dirty="0" smtClean="0">
-                <a:solidFill>
-                  <a:srgbClr val="000000"/>
-                </a:solidFill>
-                <a:latin typeface="Tahoma" panose="020B0604030504040204" pitchFamily="34" charset="0"/>
                 <a:ea typeface="Calibri" panose="020F0502020204030204" pitchFamily="34" charset="0"/>
                 <a:cs typeface="Times New Roman" panose="02020603050405020304" pitchFamily="18" charset="0"/>
               </a:rPr>
-              <a:t>Универсален</a:t>
-            </a:r>
+              <a:t>Универсален.</a:t>
+            </a:r>
+            <a:endParaRPr lang="ru-RU" dirty="0" smtClean="0">
+              <a:solidFill>
+                <a:srgbClr val="000000"/>
+              </a:solidFill>
+              <a:latin typeface="Tahoma" panose="020B0604030504040204" pitchFamily="34" charset="0"/>
+              <a:ea typeface="Calibri" panose="020F0502020204030204" pitchFamily="34" charset="0"/>
+              <a:cs typeface="Times New Roman" panose="02020603050405020304" pitchFamily="18" charset="0"/>
+            </a:endParaRPr>
           </a:p>
           <a:p>
             <a:pPr lvl="0" fontAlgn="base">
@@ -3834,30 +3846,8 @@
                 <a:ea typeface="Times New Roman" panose="02020603050405020304" pitchFamily="18" charset="0"/>
                 <a:cs typeface="Times New Roman" panose="02020603050405020304" pitchFamily="18" charset="0"/>
               </a:rPr>
-              <a:t>Необходимо постоянно контролировать используемую видеопамять.</a:t>
-            </a:r>
-            <a:endParaRPr lang="ru-RU" sz="1400" dirty="0" smtClean="0">
-              <a:effectLst/>
-              <a:latin typeface="Calibri" panose="020F0502020204030204" pitchFamily="34" charset="0"/>
-              <a:ea typeface="Calibri" panose="020F0502020204030204" pitchFamily="34" charset="0"/>
-              <a:cs typeface="Times New Roman" panose="02020603050405020304" pitchFamily="18" charset="0"/>
-            </a:endParaRPr>
-          </a:p>
-          <a:p>
-            <a:pPr marL="342900" lvl="0" indent="-342900" fontAlgn="base">
-              <a:spcBef>
-                <a:spcPts val="750"/>
-              </a:spcBef>
-              <a:spcAft>
-                <a:spcPts val="750"/>
-              </a:spcAft>
-              <a:buSzPts val="1000"/>
-              <a:buFont typeface="Symbol" panose="05050102010706020507" pitchFamily="18" charset="2"/>
-              <a:buChar char=""/>
-              <a:tabLst>
-                <a:tab pos="457200" algn="l"/>
-              </a:tabLst>
-            </a:pPr>
+              <a:t>Необходимо постоянно контролировать используемую </a:t>
+            </a:r>
             <a:r>
               <a:rPr lang="ru-RU" dirty="0" smtClean="0">
                 <a:solidFill>
@@ -3867,47 +3857,8 @@
                 <a:ea typeface="Times New Roman" panose="02020603050405020304" pitchFamily="18" charset="0"/>
                 <a:cs typeface="Times New Roman" panose="02020603050405020304" pitchFamily="18" charset="0"/>
               </a:rPr>
-              <a:t>Имеет свои жесткие стандарты.</a:t>
-            </a:r>
-            <a:endParaRPr lang="ru-RU" sz="1400" dirty="0" smtClean="0">
-              <a:effectLst/>
-              <a:latin typeface="Calibri" panose="020F0502020204030204" pitchFamily="34" charset="0"/>
-              <a:ea typeface="Calibri" panose="020F0502020204030204" pitchFamily="34" charset="0"/>
-              <a:cs typeface="Times New Roman" panose="02020603050405020304" pitchFamily="18" charset="0"/>
-            </a:endParaRPr>
-          </a:p>
-          <a:p>
-            <a:pPr marL="342900" lvl="0" indent="-342900" fontAlgn="base">
-              <a:spcBef>
-                <a:spcPts val="750"/>
-              </a:spcBef>
-              <a:spcAft>
-                <a:spcPts val="750"/>
-              </a:spcAft>
-              <a:buSzPts val="1000"/>
-              <a:buFont typeface="Symbol" panose="05050102010706020507" pitchFamily="18" charset="2"/>
-              <a:buChar char=""/>
-              <a:tabLst>
-                <a:tab pos="457200" algn="l"/>
-              </a:tabLst>
-            </a:pPr>
-            <a:r>
-              <a:rPr lang="ru-RU" dirty="0" smtClean="0">
-                <a:solidFill>
-                  <a:srgbClr val="000000"/>
-                </a:solidFill>
-                <a:latin typeface="Tahoma" panose="020B0604030504040204" pitchFamily="34" charset="0"/>
-                <a:ea typeface="Times New Roman" panose="02020603050405020304" pitchFamily="18" charset="0"/>
-                <a:cs typeface="Times New Roman" panose="02020603050405020304" pitchFamily="18" charset="0"/>
-              </a:rPr>
-              <a:t>Плохая документация.</a:t>
-            </a:r>
-            <a:endParaRPr lang="ru-RU" sz="1400" dirty="0" smtClean="0">
-              <a:effectLst/>
-              <a:latin typeface="Calibri" panose="020F0502020204030204" pitchFamily="34" charset="0"/>
-              <a:ea typeface="Calibri" panose="020F0502020204030204" pitchFamily="34" charset="0"/>
-              <a:cs typeface="Times New Roman" panose="02020603050405020304" pitchFamily="18" charset="0"/>
-            </a:endParaRPr>
+              <a:t>видеопамять.</a:t>
+            </a:r>
           </a:p>
         </p:txBody>
       </p:sp>
@@ -4030,6 +3981,168 @@
       </p:par>
     </p:tnLst>
   </p:timing>
+</p:sld>
+</file>
+
+<file path=ppt/slides/slide13.xml><?xml version="1.0" encoding="utf-8"?>
+<p:sld xmlns:a="http://schemas.openxmlformats.org/drawingml/2006/main" xmlns:r="http://schemas.openxmlformats.org/officeDocument/2006/relationships" xmlns:p="http://schemas.openxmlformats.org/presentationml/2006/main">
+  <p:cSld>
+    <p:spTree>
+      <p:nvGrpSpPr>
+        <p:cNvPr id="1" name=""/>
+        <p:cNvGrpSpPr/>
+        <p:nvPr/>
+      </p:nvGrpSpPr>
+      <p:grpSpPr>
+        <a:xfrm>
+          <a:off x="0" y="0"/>
+          <a:ext cx="0" cy="0"/>
+          <a:chOff x="0" y="0"/>
+          <a:chExt cx="0" cy="0"/>
+        </a:xfrm>
+      </p:grpSpPr>
+      <p:pic>
+        <p:nvPicPr>
+          <p:cNvPr id="5" name="Рисунок 4"/>
+          <p:cNvPicPr>
+            <a:picLocks noChangeAspect="1"/>
+          </p:cNvPicPr>
+          <p:nvPr/>
+        </p:nvPicPr>
+        <p:blipFill>
+          <a:blip r:embed="rId2"/>
+          <a:stretch>
+            <a:fillRect/>
+          </a:stretch>
+        </p:blipFill>
+        <p:spPr>
+          <a:xfrm>
+            <a:off x="1884686" y="1033657"/>
+            <a:ext cx="8263277" cy="4738882"/>
+          </a:xfrm>
+          <a:prstGeom prst="rect">
+            <a:avLst/>
+          </a:prstGeom>
+        </p:spPr>
+      </p:pic>
+    </p:spTree>
+    <p:extLst>
+      <p:ext uri="{BB962C8B-B14F-4D97-AF65-F5344CB8AC3E}">
+        <p14:creationId xmlns:p14="http://schemas.microsoft.com/office/powerpoint/2010/main" val="705340782"/>
+      </p:ext>
+    </p:extLst>
+  </p:cSld>
+  <p:clrMapOvr>
+    <a:masterClrMapping/>
+  </p:clrMapOvr>
+</p:sld>
+</file>
+
+<file path=ppt/slides/slide14.xml><?xml version="1.0" encoding="utf-8"?>
+<p:sld xmlns:a="http://schemas.openxmlformats.org/drawingml/2006/main" xmlns:r="http://schemas.openxmlformats.org/officeDocument/2006/relationships" xmlns:p="http://schemas.openxmlformats.org/presentationml/2006/main">
+  <p:cSld>
+    <p:spTree>
+      <p:nvGrpSpPr>
+        <p:cNvPr id="1" name=""/>
+        <p:cNvGrpSpPr/>
+        <p:nvPr/>
+      </p:nvGrpSpPr>
+      <p:grpSpPr>
+        <a:xfrm>
+          <a:off x="0" y="0"/>
+          <a:ext cx="0" cy="0"/>
+          <a:chOff x="0" y="0"/>
+          <a:chExt cx="0" cy="0"/>
+        </a:xfrm>
+      </p:grpSpPr>
+      <p:pic>
+        <p:nvPicPr>
+          <p:cNvPr id="4" name="Рисунок 3"/>
+          <p:cNvPicPr>
+            <a:picLocks noChangeAspect="1"/>
+          </p:cNvPicPr>
+          <p:nvPr/>
+        </p:nvPicPr>
+        <p:blipFill>
+          <a:blip r:embed="rId2"/>
+          <a:stretch>
+            <a:fillRect/>
+          </a:stretch>
+        </p:blipFill>
+        <p:spPr>
+          <a:xfrm>
+            <a:off x="1466849" y="523162"/>
+            <a:ext cx="9206229" cy="5629988"/>
+          </a:xfrm>
+          <a:prstGeom prst="rect">
+            <a:avLst/>
+          </a:prstGeom>
+        </p:spPr>
+      </p:pic>
+    </p:spTree>
+    <p:extLst>
+      <p:ext uri="{BB962C8B-B14F-4D97-AF65-F5344CB8AC3E}">
+        <p14:creationId xmlns:p14="http://schemas.microsoft.com/office/powerpoint/2010/main" val="186601805"/>
+      </p:ext>
+    </p:extLst>
+  </p:cSld>
+  <p:clrMapOvr>
+    <a:masterClrMapping/>
+  </p:clrMapOvr>
+</p:sld>
+</file>
+
+<file path=ppt/slides/slide15.xml><?xml version="1.0" encoding="utf-8"?>
+<p:sld xmlns:a="http://schemas.openxmlformats.org/drawingml/2006/main" xmlns:r="http://schemas.openxmlformats.org/officeDocument/2006/relationships" xmlns:p="http://schemas.openxmlformats.org/presentationml/2006/main">
+  <p:cSld>
+    <p:spTree>
+      <p:nvGrpSpPr>
+        <p:cNvPr id="1" name=""/>
+        <p:cNvGrpSpPr/>
+        <p:nvPr/>
+      </p:nvGrpSpPr>
+      <p:grpSpPr>
+        <a:xfrm>
+          <a:off x="0" y="0"/>
+          <a:ext cx="0" cy="0"/>
+          <a:chOff x="0" y="0"/>
+          <a:chExt cx="0" cy="0"/>
+        </a:xfrm>
+      </p:grpSpPr>
+      <p:pic>
+        <p:nvPicPr>
+          <p:cNvPr id="4" name="Рисунок 3"/>
+          <p:cNvPicPr>
+            <a:picLocks noChangeAspect="1"/>
+          </p:cNvPicPr>
+          <p:nvPr/>
+        </p:nvPicPr>
+        <p:blipFill>
+          <a:blip r:embed="rId2"/>
+          <a:stretch>
+            <a:fillRect/>
+          </a:stretch>
+        </p:blipFill>
+        <p:spPr>
+          <a:xfrm>
+            <a:off x="671513" y="2476499"/>
+            <a:ext cx="10970030" cy="2143126"/>
+          </a:xfrm>
+          <a:prstGeom prst="rect">
+            <a:avLst/>
+          </a:prstGeom>
+        </p:spPr>
+      </p:pic>
+    </p:spTree>
+    <p:extLst>
+      <p:ext uri="{BB962C8B-B14F-4D97-AF65-F5344CB8AC3E}">
+        <p14:creationId xmlns:p14="http://schemas.microsoft.com/office/powerpoint/2010/main" val="3335309576"/>
+      </p:ext>
+    </p:extLst>
+  </p:cSld>
+  <p:clrMapOvr>
+    <a:masterClrMapping/>
+  </p:clrMapOvr>
 </p:sld>
 </file>
 
